--- a/trabalho.pptx
+++ b/trabalho.pptx
@@ -5,7 +5,7 @@
     <p:sldMasterId id="2147483672" r:id="rId1"/>
   </p:sldMasterIdLst>
   <p:notesMasterIdLst>
-    <p:notesMasterId r:id="rId9"/>
+    <p:notesMasterId r:id="rId10"/>
   </p:notesMasterIdLst>
   <p:sldIdLst>
     <p:sldId id="256" r:id="rId2"/>
@@ -14,7 +14,8 @@
     <p:sldId id="259" r:id="rId5"/>
     <p:sldId id="260" r:id="rId6"/>
     <p:sldId id="261" r:id="rId7"/>
-    <p:sldId id="262" r:id="rId8"/>
+    <p:sldId id="263" r:id="rId8"/>
+    <p:sldId id="262" r:id="rId9"/>
   </p:sldIdLst>
   <p:sldSz cx="12192000" cy="6858000"/>
   <p:notesSz cx="6858000" cy="9144000"/>
@@ -113,6 +114,11 @@
       </a:defRPr>
     </a:lvl9pPr>
   </p:defaultTextStyle>
+  <p:extLst>
+    <p:ext uri="{EFAFB233-063F-42B5-8137-9DF3F51BA10A}">
+      <p15:sldGuideLst xmlns:p15="http://schemas.microsoft.com/office/powerpoint/2012/main"/>
+    </p:ext>
+  </p:extLst>
 </p:presentation>
 </file>
 
@@ -198,7 +204,7 @@
           <a:p>
             <a:fld id="{67C31FC6-C39C-4BA7-909A-6D5804FED059}" type="datetimeFigureOut">
               <a:rPr lang="pt-BR" smtClean="0"/>
-              <a:t>06/04/2023</a:t>
+              <a:t>14/04/2023</a:t>
             </a:fld>
             <a:endParaRPr lang="pt-BR"/>
           </a:p>
@@ -691,7 +697,7 @@
           <a:p>
             <a:fld id="{C7AB1F83-6D50-4DF8-B636-231800D1043C}" type="datetimeFigureOut">
               <a:rPr lang="pt-BR" smtClean="0"/>
-              <a:t>06/04/2023</a:t>
+              <a:t>14/04/2023</a:t>
             </a:fld>
             <a:endParaRPr lang="pt-BR"/>
           </a:p>
@@ -902,7 +908,7 @@
           <a:p>
             <a:fld id="{C7AB1F83-6D50-4DF8-B636-231800D1043C}" type="datetimeFigureOut">
               <a:rPr lang="pt-BR" smtClean="0"/>
-              <a:t>06/04/2023</a:t>
+              <a:t>14/04/2023</a:t>
             </a:fld>
             <a:endParaRPr lang="pt-BR"/>
           </a:p>
@@ -1117,7 +1123,7 @@
           <a:p>
             <a:fld id="{C7AB1F83-6D50-4DF8-B636-231800D1043C}" type="datetimeFigureOut">
               <a:rPr lang="pt-BR" smtClean="0"/>
-              <a:t>06/04/2023</a:t>
+              <a:t>14/04/2023</a:t>
             </a:fld>
             <a:endParaRPr lang="pt-BR"/>
           </a:p>
@@ -1318,7 +1324,7 @@
           <a:p>
             <a:fld id="{C7AB1F83-6D50-4DF8-B636-231800D1043C}" type="datetimeFigureOut">
               <a:rPr lang="pt-BR" smtClean="0"/>
-              <a:t>06/04/2023</a:t>
+              <a:t>14/04/2023</a:t>
             </a:fld>
             <a:endParaRPr lang="pt-BR"/>
           </a:p>
@@ -1597,7 +1603,7 @@
           <a:p>
             <a:fld id="{C7AB1F83-6D50-4DF8-B636-231800D1043C}" type="datetimeFigureOut">
               <a:rPr lang="pt-BR" smtClean="0"/>
-              <a:t>06/04/2023</a:t>
+              <a:t>14/04/2023</a:t>
             </a:fld>
             <a:endParaRPr lang="pt-BR"/>
           </a:p>
@@ -1865,7 +1871,7 @@
           <a:p>
             <a:fld id="{C7AB1F83-6D50-4DF8-B636-231800D1043C}" type="datetimeFigureOut">
               <a:rPr lang="pt-BR" smtClean="0"/>
-              <a:t>06/04/2023</a:t>
+              <a:t>14/04/2023</a:t>
             </a:fld>
             <a:endParaRPr lang="pt-BR"/>
           </a:p>
@@ -2281,7 +2287,7 @@
           <a:p>
             <a:fld id="{C7AB1F83-6D50-4DF8-B636-231800D1043C}" type="datetimeFigureOut">
               <a:rPr lang="pt-BR" smtClean="0"/>
-              <a:t>06/04/2023</a:t>
+              <a:t>14/04/2023</a:t>
             </a:fld>
             <a:endParaRPr lang="pt-BR"/>
           </a:p>
@@ -2430,7 +2436,7 @@
           <a:p>
             <a:fld id="{C7AB1F83-6D50-4DF8-B636-231800D1043C}" type="datetimeFigureOut">
               <a:rPr lang="pt-BR" smtClean="0"/>
-              <a:t>06/04/2023</a:t>
+              <a:t>14/04/2023</a:t>
             </a:fld>
             <a:endParaRPr lang="pt-BR"/>
           </a:p>
@@ -2556,7 +2562,7 @@
           <a:p>
             <a:fld id="{C7AB1F83-6D50-4DF8-B636-231800D1043C}" type="datetimeFigureOut">
               <a:rPr lang="pt-BR" smtClean="0"/>
-              <a:t>06/04/2023</a:t>
+              <a:t>14/04/2023</a:t>
             </a:fld>
             <a:endParaRPr lang="pt-BR"/>
           </a:p>
@@ -2807,7 +2813,7 @@
           <a:p>
             <a:fld id="{C7AB1F83-6D50-4DF8-B636-231800D1043C}" type="datetimeFigureOut">
               <a:rPr lang="pt-BR" smtClean="0"/>
-              <a:t>06/04/2023</a:t>
+              <a:t>14/04/2023</a:t>
             </a:fld>
             <a:endParaRPr lang="pt-BR"/>
           </a:p>
@@ -3252,7 +3258,7 @@
           <a:p>
             <a:fld id="{C7AB1F83-6D50-4DF8-B636-231800D1043C}" type="datetimeFigureOut">
               <a:rPr lang="pt-BR" smtClean="0"/>
-              <a:t>06/04/2023</a:t>
+              <a:t>14/04/2023</a:t>
             </a:fld>
             <a:endParaRPr lang="pt-BR"/>
           </a:p>
@@ -3578,7 +3584,7 @@
           <a:p>
             <a:fld id="{C7AB1F83-6D50-4DF8-B636-231800D1043C}" type="datetimeFigureOut">
               <a:rPr lang="pt-BR" smtClean="0"/>
-              <a:t>06/04/2023</a:t>
+              <a:t>14/04/2023</a:t>
             </a:fld>
             <a:endParaRPr lang="pt-BR"/>
           </a:p>
@@ -4471,6 +4477,104 @@
 </file>
 
 <file path=ppt/slides/slide7.xml><?xml version="1.0" encoding="utf-8"?>
+<p:sld xmlns:a="http://schemas.openxmlformats.org/drawingml/2006/main" xmlns:r="http://schemas.openxmlformats.org/officeDocument/2006/relationships" xmlns:p="http://schemas.openxmlformats.org/presentationml/2006/main">
+  <p:cSld>
+    <p:spTree>
+      <p:nvGrpSpPr>
+        <p:cNvPr id="1" name=""/>
+        <p:cNvGrpSpPr/>
+        <p:nvPr/>
+      </p:nvGrpSpPr>
+      <p:grpSpPr>
+        <a:xfrm>
+          <a:off x="0" y="0"/>
+          <a:ext cx="0" cy="0"/>
+          <a:chOff x="0" y="0"/>
+          <a:chExt cx="0" cy="0"/>
+        </a:xfrm>
+      </p:grpSpPr>
+      <p:sp>
+        <p:nvSpPr>
+          <p:cNvPr id="2" name="Título 1">
+            <a:extLst>
+              <a:ext uri="{FF2B5EF4-FFF2-40B4-BE49-F238E27FC236}">
+                <a16:creationId xmlns:a16="http://schemas.microsoft.com/office/drawing/2014/main" id="{96E38A39-4907-492D-97C1-5479C900F4AB}"/>
+              </a:ext>
+            </a:extLst>
+          </p:cNvPr>
+          <p:cNvSpPr>
+            <a:spLocks noGrp="1"/>
+          </p:cNvSpPr>
+          <p:nvPr>
+            <p:ph type="title"/>
+          </p:nvPr>
+        </p:nvSpPr>
+        <p:spPr/>
+        <p:txBody>
+          <a:bodyPr/>
+          <a:lstStyle/>
+          <a:p>
+            <a:r>
+              <a:rPr lang="pt-BR" dirty="0"/>
+              <a:t>Fontes:</a:t>
+            </a:r>
+          </a:p>
+        </p:txBody>
+      </p:sp>
+      <p:sp>
+        <p:nvSpPr>
+          <p:cNvPr id="3" name="Espaço Reservado para Conteúdo 2">
+            <a:extLst>
+              <a:ext uri="{FF2B5EF4-FFF2-40B4-BE49-F238E27FC236}">
+                <a16:creationId xmlns:a16="http://schemas.microsoft.com/office/drawing/2014/main" id="{C2D1FC97-21F0-42F8-A636-44BD919F4C19}"/>
+              </a:ext>
+            </a:extLst>
+          </p:cNvPr>
+          <p:cNvSpPr>
+            <a:spLocks noGrp="1"/>
+          </p:cNvSpPr>
+          <p:nvPr>
+            <p:ph idx="1"/>
+          </p:nvPr>
+        </p:nvSpPr>
+        <p:spPr/>
+        <p:txBody>
+          <a:bodyPr/>
+          <a:lstStyle/>
+          <a:p>
+            <a:r>
+              <a:rPr lang="pt-BR" dirty="0">
+                <a:hlinkClick r:id="rId2"/>
+              </a:rPr>
+              <a:t>https://izap.com.br/blog/</a:t>
+            </a:r>
+            <a:r>
+              <a:rPr lang="pt-BR">
+                <a:hlinkClick r:id="rId2"/>
+              </a:rPr>
+              <a:t>dicas-para-escrever-o-quem-somos-no-site/</a:t>
+            </a:r>
+            <a:endParaRPr lang="pt-BR" dirty="0"/>
+          </a:p>
+          <a:p>
+            <a:endParaRPr lang="pt-BR" dirty="0"/>
+          </a:p>
+        </p:txBody>
+      </p:sp>
+    </p:spTree>
+    <p:extLst>
+      <p:ext uri="{BB962C8B-B14F-4D97-AF65-F5344CB8AC3E}">
+        <p14:creationId xmlns:p14="http://schemas.microsoft.com/office/powerpoint/2010/main" val="1092142129"/>
+      </p:ext>
+    </p:extLst>
+  </p:cSld>
+  <p:clrMapOvr>
+    <a:masterClrMapping/>
+  </p:clrMapOvr>
+</p:sld>
+</file>
+
+<file path=ppt/slides/slide8.xml><?xml version="1.0" encoding="utf-8"?>
 <p:sld xmlns:a="http://schemas.openxmlformats.org/drawingml/2006/main" xmlns:r="http://schemas.openxmlformats.org/officeDocument/2006/relationships" xmlns:p="http://schemas.openxmlformats.org/presentationml/2006/main">
   <p:cSld>
     <p:spTree>
